--- a/docs/illustrations/Trio.pptx
+++ b/docs/illustrations/Trio.pptx
@@ -2997,8 +2997,10 @@
               <a:alpha val="10000"/>
             </a:schemeClr>
           </a:solidFill>
-          <a:ln>
-            <a:noFill/>
+          <a:ln w="3175">
+            <a:solidFill>
+              <a:schemeClr val="tx1"/>
+            </a:solidFill>
           </a:ln>
         </p:spPr>
         <p:style>

--- a/docs/illustrations/Trio.pptx
+++ b/docs/illustrations/Trio.pptx
@@ -243,7 +243,7 @@
           <a:p>
             <a:fld id="{9A1ECE4D-E872-410D-B8FC-E3006DC99C4B}" type="datetimeFigureOut">
               <a:rPr lang="nb-NO" smtClean="0"/>
-              <a:t>13.11.2019</a:t>
+              <a:t>14.11.2019</a:t>
             </a:fld>
             <a:endParaRPr lang="nb-NO"/>
           </a:p>
@@ -413,7 +413,7 @@
           <a:p>
             <a:fld id="{9A1ECE4D-E872-410D-B8FC-E3006DC99C4B}" type="datetimeFigureOut">
               <a:rPr lang="nb-NO" smtClean="0"/>
-              <a:t>13.11.2019</a:t>
+              <a:t>14.11.2019</a:t>
             </a:fld>
             <a:endParaRPr lang="nb-NO"/>
           </a:p>
@@ -593,7 +593,7 @@
           <a:p>
             <a:fld id="{9A1ECE4D-E872-410D-B8FC-E3006DC99C4B}" type="datetimeFigureOut">
               <a:rPr lang="nb-NO" smtClean="0"/>
-              <a:t>13.11.2019</a:t>
+              <a:t>14.11.2019</a:t>
             </a:fld>
             <a:endParaRPr lang="nb-NO"/>
           </a:p>
@@ -763,7 +763,7 @@
           <a:p>
             <a:fld id="{9A1ECE4D-E872-410D-B8FC-E3006DC99C4B}" type="datetimeFigureOut">
               <a:rPr lang="nb-NO" smtClean="0"/>
-              <a:t>13.11.2019</a:t>
+              <a:t>14.11.2019</a:t>
             </a:fld>
             <a:endParaRPr lang="nb-NO"/>
           </a:p>
@@ -1007,7 +1007,7 @@
           <a:p>
             <a:fld id="{9A1ECE4D-E872-410D-B8FC-E3006DC99C4B}" type="datetimeFigureOut">
               <a:rPr lang="nb-NO" smtClean="0"/>
-              <a:t>13.11.2019</a:t>
+              <a:t>14.11.2019</a:t>
             </a:fld>
             <a:endParaRPr lang="nb-NO"/>
           </a:p>
@@ -1239,7 +1239,7 @@
           <a:p>
             <a:fld id="{9A1ECE4D-E872-410D-B8FC-E3006DC99C4B}" type="datetimeFigureOut">
               <a:rPr lang="nb-NO" smtClean="0"/>
-              <a:t>13.11.2019</a:t>
+              <a:t>14.11.2019</a:t>
             </a:fld>
             <a:endParaRPr lang="nb-NO"/>
           </a:p>
@@ -1606,7 +1606,7 @@
           <a:p>
             <a:fld id="{9A1ECE4D-E872-410D-B8FC-E3006DC99C4B}" type="datetimeFigureOut">
               <a:rPr lang="nb-NO" smtClean="0"/>
-              <a:t>13.11.2019</a:t>
+              <a:t>14.11.2019</a:t>
             </a:fld>
             <a:endParaRPr lang="nb-NO"/>
           </a:p>
@@ -1724,7 +1724,7 @@
           <a:p>
             <a:fld id="{9A1ECE4D-E872-410D-B8FC-E3006DC99C4B}" type="datetimeFigureOut">
               <a:rPr lang="nb-NO" smtClean="0"/>
-              <a:t>13.11.2019</a:t>
+              <a:t>14.11.2019</a:t>
             </a:fld>
             <a:endParaRPr lang="nb-NO"/>
           </a:p>
@@ -1819,7 +1819,7 @@
           <a:p>
             <a:fld id="{9A1ECE4D-E872-410D-B8FC-E3006DC99C4B}" type="datetimeFigureOut">
               <a:rPr lang="nb-NO" smtClean="0"/>
-              <a:t>13.11.2019</a:t>
+              <a:t>14.11.2019</a:t>
             </a:fld>
             <a:endParaRPr lang="nb-NO"/>
           </a:p>
@@ -2096,7 +2096,7 @@
           <a:p>
             <a:fld id="{9A1ECE4D-E872-410D-B8FC-E3006DC99C4B}" type="datetimeFigureOut">
               <a:rPr lang="nb-NO" smtClean="0"/>
-              <a:t>13.11.2019</a:t>
+              <a:t>14.11.2019</a:t>
             </a:fld>
             <a:endParaRPr lang="nb-NO"/>
           </a:p>
@@ -2353,7 +2353,7 @@
           <a:p>
             <a:fld id="{9A1ECE4D-E872-410D-B8FC-E3006DC99C4B}" type="datetimeFigureOut">
               <a:rPr lang="nb-NO" smtClean="0"/>
-              <a:t>13.11.2019</a:t>
+              <a:t>14.11.2019</a:t>
             </a:fld>
             <a:endParaRPr lang="nb-NO"/>
           </a:p>
@@ -2566,7 +2566,7 @@
           <a:p>
             <a:fld id="{9A1ECE4D-E872-410D-B8FC-E3006DC99C4B}" type="datetimeFigureOut">
               <a:rPr lang="nb-NO" smtClean="0"/>
-              <a:t>13.11.2019</a:t>
+              <a:t>14.11.2019</a:t>
             </a:fld>
             <a:endParaRPr lang="nb-NO"/>
           </a:p>
@@ -2985,8 +2985,8 @@
         </p:nvSpPr>
         <p:spPr>
           <a:xfrm>
-            <a:off x="0" y="0"/>
-            <a:ext cx="3600451" cy="1129915"/>
+            <a:off x="706100" y="0"/>
+            <a:ext cx="2111241" cy="1129915"/>
           </a:xfrm>
           <a:prstGeom prst="rect">
             <a:avLst/>
@@ -3042,7 +3042,7 @@
         </p:nvSpPr>
         <p:spPr>
           <a:xfrm>
-            <a:off x="462496" y="0"/>
+            <a:off x="836734" y="0"/>
             <a:ext cx="510840" cy="221018"/>
           </a:xfrm>
           <a:prstGeom prst="rect">
@@ -3140,7 +3140,7 @@
         </p:nvSpPr>
         <p:spPr>
           <a:xfrm>
-            <a:off x="2627115" y="0"/>
+            <a:off x="2261684" y="0"/>
             <a:ext cx="436397" cy="221018"/>
           </a:xfrm>
           <a:prstGeom prst="rect">
@@ -3185,7 +3185,7 @@
         </p:nvSpPr>
         <p:spPr>
           <a:xfrm>
-            <a:off x="461694" y="221018"/>
+            <a:off x="835932" y="221018"/>
             <a:ext cx="512444" cy="205629"/>
           </a:xfrm>
           <a:prstGeom prst="rect">
@@ -3264,7 +3264,7 @@
         </p:nvSpPr>
         <p:spPr>
           <a:xfrm>
-            <a:off x="2635578" y="205629"/>
+            <a:off x="2270147" y="205629"/>
             <a:ext cx="419470" cy="205629"/>
           </a:xfrm>
           <a:prstGeom prst="rect">
@@ -3415,8 +3415,8 @@
         </p:nvCxnSpPr>
         <p:spPr>
           <a:xfrm>
-            <a:off x="923643" y="411258"/>
-            <a:ext cx="643605" cy="308291"/>
+            <a:off x="1253565" y="442036"/>
+            <a:ext cx="313683" cy="277513"/>
           </a:xfrm>
           <a:prstGeom prst="straightConnector1">
             <a:avLst/>
@@ -3464,8 +3464,8 @@
         </p:nvCxnSpPr>
         <p:spPr>
           <a:xfrm flipH="1">
-            <a:off x="2033204" y="378691"/>
-            <a:ext cx="658245" cy="340858"/>
+            <a:off x="2033204" y="408006"/>
+            <a:ext cx="331370" cy="311543"/>
           </a:xfrm>
           <a:prstGeom prst="straightConnector1">
             <a:avLst/>
@@ -3512,7 +3512,7 @@
         </p:nvCxnSpPr>
         <p:spPr>
           <a:xfrm>
-            <a:off x="610537" y="411258"/>
+            <a:off x="984775" y="425382"/>
             <a:ext cx="0" cy="394083"/>
           </a:xfrm>
           <a:prstGeom prst="straightConnector1">
@@ -3560,7 +3560,7 @@
         </p:nvCxnSpPr>
         <p:spPr>
           <a:xfrm>
-            <a:off x="2948877" y="411258"/>
+            <a:off x="2583446" y="425382"/>
             <a:ext cx="0" cy="394083"/>
           </a:xfrm>
           <a:prstGeom prst="straightConnector1">
@@ -3606,7 +3606,7 @@
         </p:nvSpPr>
         <p:spPr>
           <a:xfrm>
-            <a:off x="463579" y="513179"/>
+            <a:off x="837817" y="527303"/>
             <a:ext cx="146958" cy="190240"/>
           </a:xfrm>
           <a:prstGeom prst="rect">
@@ -3647,7 +3647,7 @@
         </p:nvSpPr>
         <p:spPr>
           <a:xfrm>
-            <a:off x="2948877" y="508472"/>
+            <a:off x="2583446" y="522596"/>
             <a:ext cx="146958" cy="190240"/>
           </a:xfrm>
           <a:prstGeom prst="rect">
@@ -3688,7 +3688,7 @@
         </p:nvSpPr>
         <p:spPr>
           <a:xfrm>
-            <a:off x="1276704" y="408006"/>
+            <a:off x="1450731" y="408006"/>
             <a:ext cx="146958" cy="190240"/>
           </a:xfrm>
           <a:prstGeom prst="rect">
@@ -3729,7 +3729,7 @@
         </p:nvSpPr>
         <p:spPr>
           <a:xfrm>
-            <a:off x="2123499" y="408006"/>
+            <a:off x="2031343" y="411778"/>
             <a:ext cx="146958" cy="190240"/>
           </a:xfrm>
           <a:prstGeom prst="rect">

--- a/docs/illustrations/Trio.pptx
+++ b/docs/illustrations/Trio.pptx
@@ -6,6 +6,7 @@
   </p:sldMasterIdLst>
   <p:sldIdLst>
     <p:sldId id="256" r:id="rId2"/>
+    <p:sldId id="257" r:id="rId3"/>
   </p:sldIdLst>
   <p:sldSz cx="3600450" cy="2519363"/>
   <p:notesSz cx="6858000" cy="9144000"/>
@@ -3769,6 +3770,36 @@
 </p:sld>
 </file>
 
+<file path=ppt/slides/slide2.xml><?xml version="1.0" encoding="utf-8"?>
+<p:sld xmlns:a="http://schemas.openxmlformats.org/drawingml/2006/main" xmlns:r="http://schemas.openxmlformats.org/officeDocument/2006/relationships" xmlns:p="http://schemas.openxmlformats.org/presentationml/2006/main">
+  <p:cSld>
+    <p:spTree>
+      <p:nvGrpSpPr>
+        <p:cNvPr id="1" name=""/>
+        <p:cNvGrpSpPr/>
+        <p:nvPr/>
+      </p:nvGrpSpPr>
+      <p:grpSpPr>
+        <a:xfrm>
+          <a:off x="0" y="0"/>
+          <a:ext cx="0" cy="0"/>
+          <a:chOff x="0" y="0"/>
+          <a:chExt cx="0" cy="0"/>
+        </a:xfrm>
+      </p:grpSpPr>
+    </p:spTree>
+    <p:extLst>
+      <p:ext uri="{BB962C8B-B14F-4D97-AF65-F5344CB8AC3E}">
+        <p14:creationId xmlns:p14="http://schemas.microsoft.com/office/powerpoint/2010/main" val="2517333306"/>
+      </p:ext>
+    </p:extLst>
+  </p:cSld>
+  <p:clrMapOvr>
+    <a:masterClrMapping/>
+  </p:clrMapOvr>
+</p:sld>
+</file>
+
 <file path=ppt/theme/theme1.xml><?xml version="1.0" encoding="utf-8"?>
 <a:theme xmlns:a="http://schemas.openxmlformats.org/drawingml/2006/main" name="Office Theme">
   <a:themeElements>
